--- a/Buyout Participation Literature Review.pptx
+++ b/Buyout Participation Literature Review.pptx
@@ -129,6 +129,11 @@
       </a:defRPr>
     </a:lvl9pPr>
   </p:defaultTextStyle>
+  <p:extLst>
+    <p:ext uri="{EFAFB233-063F-42B5-8137-9DF3F51BA10A}">
+      <p15:sldGuideLst xmlns:p15="http://schemas.microsoft.com/office/powerpoint/2012/main"/>
+    </p:ext>
+  </p:extLst>
 </p:presentation>
 </file>
 
@@ -214,7 +219,7 @@
           <a:p>
             <a:fld id="{D8E5EF5E-ED55-4388-B108-696190F0C3FB}" type="datetimeFigureOut">
               <a:rPr lang="en-US" smtClean="0"/>
-              <a:t>12/2/2024</a:t>
+              <a:t>12/5/2024</a:t>
             </a:fld>
             <a:endParaRPr lang="en-US"/>
           </a:p>
@@ -914,7 +919,7 @@
           <a:p>
             <a:fld id="{F083A9B3-2E2F-424D-A79F-2CFD4B33D7C2}" type="datetimeFigureOut">
               <a:rPr lang="en-US" smtClean="0"/>
-              <a:t>12/2/2024</a:t>
+              <a:t>12/5/2024</a:t>
             </a:fld>
             <a:endParaRPr lang="en-US"/>
           </a:p>
@@ -1112,7 +1117,7 @@
           <a:p>
             <a:fld id="{F083A9B3-2E2F-424D-A79F-2CFD4B33D7C2}" type="datetimeFigureOut">
               <a:rPr lang="en-US" smtClean="0"/>
-              <a:t>12/2/2024</a:t>
+              <a:t>12/5/2024</a:t>
             </a:fld>
             <a:endParaRPr lang="en-US"/>
           </a:p>
@@ -1320,7 +1325,7 @@
           <a:p>
             <a:fld id="{F083A9B3-2E2F-424D-A79F-2CFD4B33D7C2}" type="datetimeFigureOut">
               <a:rPr lang="en-US" smtClean="0"/>
-              <a:t>12/2/2024</a:t>
+              <a:t>12/5/2024</a:t>
             </a:fld>
             <a:endParaRPr lang="en-US"/>
           </a:p>
@@ -1518,7 +1523,7 @@
           <a:p>
             <a:fld id="{F083A9B3-2E2F-424D-A79F-2CFD4B33D7C2}" type="datetimeFigureOut">
               <a:rPr lang="en-US" smtClean="0"/>
-              <a:t>12/2/2024</a:t>
+              <a:t>12/5/2024</a:t>
             </a:fld>
             <a:endParaRPr lang="en-US"/>
           </a:p>
@@ -1793,7 +1798,7 @@
           <a:p>
             <a:fld id="{F083A9B3-2E2F-424D-A79F-2CFD4B33D7C2}" type="datetimeFigureOut">
               <a:rPr lang="en-US" smtClean="0"/>
-              <a:t>12/2/2024</a:t>
+              <a:t>12/5/2024</a:t>
             </a:fld>
             <a:endParaRPr lang="en-US"/>
           </a:p>
@@ -2058,7 +2063,7 @@
           <a:p>
             <a:fld id="{F083A9B3-2E2F-424D-A79F-2CFD4B33D7C2}" type="datetimeFigureOut">
               <a:rPr lang="en-US" smtClean="0"/>
-              <a:t>12/2/2024</a:t>
+              <a:t>12/5/2024</a:t>
             </a:fld>
             <a:endParaRPr lang="en-US"/>
           </a:p>
@@ -2470,7 +2475,7 @@
           <a:p>
             <a:fld id="{F083A9B3-2E2F-424D-A79F-2CFD4B33D7C2}" type="datetimeFigureOut">
               <a:rPr lang="en-US" smtClean="0"/>
-              <a:t>12/2/2024</a:t>
+              <a:t>12/5/2024</a:t>
             </a:fld>
             <a:endParaRPr lang="en-US"/>
           </a:p>
@@ -2611,7 +2616,7 @@
           <a:p>
             <a:fld id="{F083A9B3-2E2F-424D-A79F-2CFD4B33D7C2}" type="datetimeFigureOut">
               <a:rPr lang="en-US" smtClean="0"/>
-              <a:t>12/2/2024</a:t>
+              <a:t>12/5/2024</a:t>
             </a:fld>
             <a:endParaRPr lang="en-US"/>
           </a:p>
@@ -2724,7 +2729,7 @@
           <a:p>
             <a:fld id="{F083A9B3-2E2F-424D-A79F-2CFD4B33D7C2}" type="datetimeFigureOut">
               <a:rPr lang="en-US" smtClean="0"/>
-              <a:t>12/2/2024</a:t>
+              <a:t>12/5/2024</a:t>
             </a:fld>
             <a:endParaRPr lang="en-US"/>
           </a:p>
@@ -3035,7 +3040,7 @@
           <a:p>
             <a:fld id="{F083A9B3-2E2F-424D-A79F-2CFD4B33D7C2}" type="datetimeFigureOut">
               <a:rPr lang="en-US" smtClean="0"/>
-              <a:t>12/2/2024</a:t>
+              <a:t>12/5/2024</a:t>
             </a:fld>
             <a:endParaRPr lang="en-US"/>
           </a:p>
@@ -3323,7 +3328,7 @@
           <a:p>
             <a:fld id="{F083A9B3-2E2F-424D-A79F-2CFD4B33D7C2}" type="datetimeFigureOut">
               <a:rPr lang="en-US" smtClean="0"/>
-              <a:t>12/2/2024</a:t>
+              <a:t>12/5/2024</a:t>
             </a:fld>
             <a:endParaRPr lang="en-US"/>
           </a:p>
@@ -3564,7 +3569,7 @@
           <a:p>
             <a:fld id="{F083A9B3-2E2F-424D-A79F-2CFD4B33D7C2}" type="datetimeFigureOut">
               <a:rPr lang="en-US" smtClean="0"/>
-              <a:t>12/2/2024</a:t>
+              <a:t>12/5/2024</a:t>
             </a:fld>
             <a:endParaRPr lang="en-US"/>
           </a:p>
@@ -9179,6 +9184,15 @@
 </file>
 
 <file path=customXml/item1.xml><?xml version="1.0" encoding="utf-8"?>
+<?mso-contentType ?>
+<FormTemplates xmlns="http://schemas.microsoft.com/sharepoint/v3/contenttype/forms">
+  <Display>DocumentLibraryForm</Display>
+  <Edit>DocumentLibraryForm</Edit>
+  <New>DocumentLibraryForm</New>
+</FormTemplates>
+</file>
+
+<file path=customXml/item2.xml><?xml version="1.0" encoding="utf-8"?>
 <ct:contentTypeSchema xmlns:ct="http://schemas.microsoft.com/office/2006/metadata/contentType" xmlns:ma="http://schemas.microsoft.com/office/2006/metadata/properties/metaAttributes" ct:_="" ma:_="" ma:contentTypeName="Document" ma:contentTypeID="0x01010064390183F06D724C83DE71489E552D5A" ma:contentTypeVersion="16" ma:contentTypeDescription="Create a new document." ma:contentTypeScope="" ma:versionID="0329eb1172e3e2bb210cc0d14101b948">
   <xsd:schema xmlns:xsd="http://www.w3.org/2001/XMLSchema" xmlns:xs="http://www.w3.org/2001/XMLSchema" xmlns:p="http://schemas.microsoft.com/office/2006/metadata/properties" xmlns:ns3="81c8d946-e74e-4658-82bc-01095f10b832" xmlns:ns4="af7da3fd-bd7d-4b07-a26d-5c4edd2bac1d" targetNamespace="http://schemas.microsoft.com/office/2006/metadata/properties" ma:root="true" ma:fieldsID="742184678c46a89a3d824c3c7a548713" ns3:_="" ns4:_="">
     <xsd:import namespace="81c8d946-e74e-4658-82bc-01095f10b832"/>
@@ -9417,15 +9431,6 @@
 </ct:contentTypeSchema>
 </file>
 
-<file path=customXml/item2.xml><?xml version="1.0" encoding="utf-8"?>
-<?mso-contentType ?>
-<FormTemplates xmlns="http://schemas.microsoft.com/sharepoint/v3/contenttype/forms">
-  <Display>DocumentLibraryForm</Display>
-  <Edit>DocumentLibraryForm</Edit>
-  <New>DocumentLibraryForm</New>
-</FormTemplates>
-</file>
-
 <file path=customXml/item3.xml><?xml version="1.0" encoding="utf-8"?>
 <p:properties xmlns:p="http://schemas.microsoft.com/office/2006/metadata/properties" xmlns:xsi="http://www.w3.org/2001/XMLSchema-instance" xmlns:pc="http://schemas.microsoft.com/office/infopath/2007/PartnerControls">
   <documentManagement>
@@ -9435,6 +9440,14 @@
 </file>
 
 <file path=customXml/itemProps1.xml><?xml version="1.0" encoding="utf-8"?>
+<ds:datastoreItem xmlns:ds="http://schemas.openxmlformats.org/officeDocument/2006/customXml" ds:itemID="{FFEBBC07-F895-4080-9E3E-ADE3A2057B7B}">
+  <ds:schemaRefs>
+    <ds:schemaRef ds:uri="http://schemas.microsoft.com/sharepoint/v3/contenttype/forms"/>
+  </ds:schemaRefs>
+</ds:datastoreItem>
+</file>
+
+<file path=customXml/itemProps2.xml><?xml version="1.0" encoding="utf-8"?>
 <ds:datastoreItem xmlns:ds="http://schemas.openxmlformats.org/officeDocument/2006/customXml" ds:itemID="{B3C072B7-66AD-4C7C-8767-11EAC2511FD3}">
   <ds:schemaRefs>
     <ds:schemaRef ds:uri="http://schemas.microsoft.com/office/2006/metadata/contentType"/>
@@ -9449,14 +9462,6 @@
     <ds:schemaRef ds:uri="http://purl.org/dc/elements/1.1/"/>
     <ds:schemaRef ds:uri="http://purl.org/dc/terms/"/>
     <ds:schemaRef ds:uri="http://schemas.microsoft.com/internal/obd"/>
-  </ds:schemaRefs>
-</ds:datastoreItem>
-</file>
-
-<file path=customXml/itemProps2.xml><?xml version="1.0" encoding="utf-8"?>
-<ds:datastoreItem xmlns:ds="http://schemas.openxmlformats.org/officeDocument/2006/customXml" ds:itemID="{FFEBBC07-F895-4080-9E3E-ADE3A2057B7B}">
-  <ds:schemaRefs>
-    <ds:schemaRef ds:uri="http://schemas.microsoft.com/sharepoint/v3/contenttype/forms"/>
   </ds:schemaRefs>
 </ds:datastoreItem>
 </file>
